--- a/prog_networks.pptx
+++ b/prog_networks.pptx
@@ -4634,6 +4634,93 @@
 </p:notes>
 </file>
 
+<file path=ppt/notesSlides/notesSlide30.xml><?xml version="1.0" encoding="utf-8"?>
+<p:notes xmlns:a="http://schemas.openxmlformats.org/drawingml/2006/main" xmlns:r="http://schemas.openxmlformats.org/officeDocument/2006/relationships" xmlns:p="http://schemas.openxmlformats.org/presentationml/2006/main">
+  <p:cSld>
+    <p:spTree>
+      <p:nvGrpSpPr>
+        <p:cNvPr id="1" name=""/>
+        <p:cNvGrpSpPr/>
+        <p:nvPr/>
+      </p:nvGrpSpPr>
+      <p:grpSpPr>
+        <a:xfrm>
+          <a:off x="0" y="0"/>
+          <a:ext cx="0" cy="0"/>
+          <a:chOff x="0" y="0"/>
+          <a:chExt cx="0" cy="0"/>
+        </a:xfrm>
+      </p:grpSpPr>
+      <p:sp>
+        <p:nvSpPr>
+          <p:cNvPr id="2" name="Slide Image Placeholder 1"/>
+          <p:cNvSpPr>
+            <a:spLocks noGrp="1" noRot="1" noChangeAspect="1"/>
+          </p:cNvSpPr>
+          <p:nvPr>
+            <p:ph type="sldImg"/>
+          </p:nvPr>
+        </p:nvSpPr>
+        <p:spPr/>
+      </p:sp>
+      <p:sp>
+        <p:nvSpPr>
+          <p:cNvPr id="3" name="Notes Placeholder 2"/>
+          <p:cNvSpPr>
+            <a:spLocks noGrp="1"/>
+          </p:cNvSpPr>
+          <p:nvPr>
+            <p:ph type="body" idx="1"/>
+          </p:nvPr>
+        </p:nvSpPr>
+        <p:spPr/>
+        <p:txBody>
+          <a:bodyPr/>
+          <a:lstStyle/>
+          <a:p>
+            <a:r>
+              <a:rPr lang="en-US" dirty="0"/>
+              <a:t>Programmability in the data plane is now technically feasible, but how do we best take advantage of it?</a:t>
+            </a:r>
+          </a:p>
+        </p:txBody>
+      </p:sp>
+      <p:sp>
+        <p:nvSpPr>
+          <p:cNvPr id="4" name="Slide Number Placeholder 3"/>
+          <p:cNvSpPr>
+            <a:spLocks noGrp="1"/>
+          </p:cNvSpPr>
+          <p:nvPr>
+            <p:ph type="sldNum" sz="quarter" idx="5"/>
+          </p:nvPr>
+        </p:nvSpPr>
+        <p:spPr/>
+        <p:txBody>
+          <a:bodyPr/>
+          <a:lstStyle/>
+          <a:p>
+            <a:fld id="{AE764910-0912-401B-9F58-2B7602DC4522}" type="slidenum">
+              <a:rPr lang="en-US" smtClean="0"/>
+              <a:t>45</a:t>
+            </a:fld>
+            <a:endParaRPr lang="en-US"/>
+          </a:p>
+        </p:txBody>
+      </p:sp>
+    </p:spTree>
+    <p:extLst>
+      <p:ext uri="{BB962C8B-B14F-4D97-AF65-F5344CB8AC3E}">
+        <p14:creationId xmlns:p14="http://schemas.microsoft.com/office/powerpoint/2010/main" val="1718716383"/>
+      </p:ext>
+    </p:extLst>
+  </p:cSld>
+  <p:clrMapOvr>
+    <a:masterClrMapping/>
+  </p:clrMapOvr>
+</p:notes>
+</file>
+
 <file path=ppt/notesSlides/notesSlide4.xml><?xml version="1.0" encoding="utf-8"?>
 <p:notes xmlns:a="http://schemas.openxmlformats.org/drawingml/2006/main" xmlns:r="http://schemas.openxmlformats.org/officeDocument/2006/relationships" xmlns:p="http://schemas.openxmlformats.org/presentationml/2006/main">
   <p:cSld>
@@ -4788,15 +4875,31 @@
           <a:p>
             <a:r>
               <a:rPr lang="en-US" baseline="0" dirty="0"/>
-              <a:t>Unpredictable performance examples: hardware </a:t>
-            </a:r>
-            <a:r>
-              <a:rPr lang="en-US" baseline="0" dirty="0" err="1"/>
-              <a:t>config</a:t>
-            </a:r>
+              <a:t>Unpredictable performance examples: hardware config (number of cores, RAM size, etc.)</a:t>
+            </a:r>
+          </a:p>
+          <a:p>
+            <a:endParaRPr lang="en-US" baseline="0" dirty="0"/>
+          </a:p>
+          <a:p>
             <a:r>
               <a:rPr lang="en-US" baseline="0" dirty="0"/>
-              <a:t> (number of cores, RAM size, etc.)</a:t>
+              <a:t>Updates:</a:t>
+            </a:r>
+          </a:p>
+          <a:p>
+            <a:endParaRPr lang="en-US" baseline="0" dirty="0"/>
+          </a:p>
+          <a:p>
+            <a:r>
+              <a:rPr lang="en-US" baseline="0" dirty="0"/>
+              <a:t>BCOM Tomahawk 2: 6.4 Tbit/s</a:t>
+            </a:r>
+          </a:p>
+          <a:p>
+            <a:r>
+              <a:rPr lang="en-US" baseline="0" dirty="0"/>
+              <a:t>BCOM Tomahawk 3: 12.8 Tbit/s</a:t>
             </a:r>
           </a:p>
         </p:txBody>
@@ -8157,14 +8260,19 @@
             <p:ph type="subTitle" idx="1"/>
           </p:nvPr>
         </p:nvSpPr>
-        <p:spPr/>
+        <p:spPr>
+          <a:xfrm>
+            <a:off x="1314450" y="3602038"/>
+            <a:ext cx="9563100" cy="1655762"/>
+          </a:xfrm>
+        </p:spPr>
         <p:txBody>
           <a:bodyPr/>
           <a:lstStyle/>
           <a:p>
             <a:r>
               <a:rPr lang="en-US" dirty="0"/>
-              <a:t>Slides courtesy of Patrick </a:t>
+              <a:t>Some slides courtesy of Patrick </a:t>
             </a:r>
             <a:r>
               <a:rPr lang="en-US" dirty="0" err="1"/>
@@ -8284,23 +8392,7 @@
           <a:p>
             <a:r>
               <a:rPr lang="en-US" dirty="0"/>
-              <a:t>Performance: 640 </a:t>
-            </a:r>
-            <a:r>
-              <a:rPr lang="en-US" dirty="0" err="1"/>
-              <a:t>Gbit</a:t>
-            </a:r>
-            <a:r>
-              <a:rPr lang="en-US" dirty="0"/>
-              <a:t>/s (also called line rate), now 6.4 </a:t>
-            </a:r>
-            <a:r>
-              <a:rPr lang="en-US" dirty="0" err="1"/>
-              <a:t>Tbit</a:t>
-            </a:r>
-            <a:r>
-              <a:rPr lang="en-US" dirty="0"/>
-              <a:t>/s.</a:t>
+              <a:t>Performance: 640 Gbit/s, now 6.4 Tbit/s (Barefoot Tofino), 12.8 Tbit/s (Barefoot Tofino 2)</a:t>
             </a:r>
           </a:p>
           <a:p>
@@ -8624,7 +8716,7 @@
           <a:p>
             <a:r>
               <a:rPr lang="en-US" dirty="0"/>
-              <a:t>Performance requirements at line-rate</a:t>
+              <a:t>Typical performance requirements at line rate</a:t>
             </a:r>
           </a:p>
         </p:txBody>
@@ -21302,7 +21394,7 @@
           <a:p>
             <a:r>
               <a:rPr lang="en-US" dirty="0"/>
-              <a:t>Ethernet                               IPV4                                   TC</a:t>
+              <a:t>Ethernet                       IPV4/IPV6                                   TC</a:t>
             </a:r>
             <a:r>
               <a:rPr lang="en-US" sz="2000" dirty="0"/>
@@ -39623,7 +39715,7 @@
         <p:spPr/>
         <p:txBody>
           <a:bodyPr>
-            <a:normAutofit lnSpcReduction="10000"/>
+            <a:normAutofit/>
           </a:bodyPr>
           <a:lstStyle/>
           <a:p>
@@ -39654,10 +39746,6 @@
             </a:r>
           </a:p>
           <a:p>
-            <a:pPr lvl="1"/>
-            <a:endParaRPr lang="en-US" dirty="0"/>
-          </a:p>
-          <a:p>
             <a:r>
               <a:rPr lang="en-US" dirty="0"/>
               <a:t>Fairly simple language. What do you think is missing?</a:t>
@@ -39671,24 +39759,30 @@
             </a:r>
           </a:p>
           <a:p>
-            <a:endParaRPr lang="en-US" dirty="0"/>
-          </a:p>
-          <a:p>
             <a:r>
               <a:rPr lang="en-US" dirty="0"/>
-              <a:t>Somewhat strange serial-parallel semantics. </a:t>
-            </a:r>
-            <a:r>
-              <a:rPr lang="en-US"/>
-              <a:t>Why?</a:t>
-            </a:r>
-            <a:endParaRPr lang="en-US" dirty="0"/>
+              <a:t>Somewhat strange serial-parallel semantics. Why?</a:t>
+            </a:r>
           </a:p>
           <a:p>
             <a:pPr lvl="1"/>
             <a:r>
               <a:rPr lang="en-US" dirty="0"/>
               <a:t>Actions within a stage execute in parallel, stages execute in sequence</a:t>
+            </a:r>
+          </a:p>
+          <a:p>
+            <a:r>
+              <a:rPr lang="en-US" dirty="0"/>
+              <a:t>Many of these fixed in P4-16 (http://</a:t>
+            </a:r>
+            <a:r>
+              <a:rPr lang="en-US" dirty="0" err="1"/>
+              <a:t>budiu.info</a:t>
+            </a:r>
+            <a:r>
+              <a:rPr lang="en-US" dirty="0"/>
+              <a:t>/work/p4-osr17.pdf)</a:t>
             </a:r>
           </a:p>
         </p:txBody>
@@ -39935,7 +40029,7 @@
                                         <p:tgtEl>
                                           <p:spTgt spid="3">
                                             <p:txEl>
-                                              <p:pRg st="5" end="5"/>
+                                              <p:pRg st="4" end="4"/>
                                             </p:txEl>
                                           </p:spTgt>
                                         </p:tgtEl>
@@ -39984,7 +40078,7 @@
                                         <p:tgtEl>
                                           <p:spTgt spid="3">
                                             <p:txEl>
-                                              <p:pRg st="6" end="6"/>
+                                              <p:pRg st="5" end="5"/>
                                             </p:txEl>
                                           </p:spTgt>
                                         </p:tgtEl>
@@ -40033,7 +40127,7 @@
                                         <p:tgtEl>
                                           <p:spTgt spid="3">
                                             <p:txEl>
-                                              <p:pRg st="8" end="8"/>
+                                              <p:pRg st="6" end="6"/>
                                             </p:txEl>
                                           </p:spTgt>
                                         </p:tgtEl>
@@ -40082,7 +40176,56 @@
                                         <p:tgtEl>
                                           <p:spTgt spid="3">
                                             <p:txEl>
-                                              <p:pRg st="9" end="9"/>
+                                              <p:pRg st="7" end="7"/>
+                                            </p:txEl>
+                                          </p:spTgt>
+                                        </p:tgtEl>
+                                        <p:attrNameLst>
+                                          <p:attrName>style.visibility</p:attrName>
+                                        </p:attrNameLst>
+                                      </p:cBhvr>
+                                      <p:to>
+                                        <p:strVal val="visible"/>
+                                      </p:to>
+                                    </p:set>
+                                  </p:childTnLst>
+                                </p:cTn>
+                              </p:par>
+                            </p:childTnLst>
+                          </p:cTn>
+                        </p:par>
+                      </p:childTnLst>
+                    </p:cTn>
+                  </p:par>
+                  <p:par>
+                    <p:cTn id="35" fill="hold">
+                      <p:stCondLst>
+                        <p:cond delay="indefinite"/>
+                      </p:stCondLst>
+                      <p:childTnLst>
+                        <p:par>
+                          <p:cTn id="36" fill="hold">
+                            <p:stCondLst>
+                              <p:cond delay="0"/>
+                            </p:stCondLst>
+                            <p:childTnLst>
+                              <p:par>
+                                <p:cTn id="37" presetID="1" presetClass="entr" presetSubtype="0" fill="hold" nodeType="clickEffect">
+                                  <p:stCondLst>
+                                    <p:cond delay="0"/>
+                                  </p:stCondLst>
+                                  <p:childTnLst>
+                                    <p:set>
+                                      <p:cBhvr>
+                                        <p:cTn id="38" dur="1" fill="hold">
+                                          <p:stCondLst>
+                                            <p:cond delay="0"/>
+                                          </p:stCondLst>
+                                        </p:cTn>
+                                        <p:tgtEl>
+                                          <p:spTgt spid="3">
+                                            <p:txEl>
+                                              <p:pRg st="8" end="8"/>
                                             </p:txEl>
                                           </p:spTgt>
                                         </p:tgtEl>
@@ -41119,7 +41262,7 @@
         <p:spPr/>
         <p:txBody>
           <a:bodyPr>
-            <a:normAutofit/>
+            <a:normAutofit lnSpcReduction="10000"/>
           </a:bodyPr>
           <a:lstStyle/>
           <a:p>
@@ -41145,28 +41288,25 @@
             <a:pPr lvl="1"/>
             <a:r>
               <a:rPr lang="en-US" dirty="0"/>
-              <a:t>I think it’s measurement/visibility/troubleshooting for </a:t>
+              <a:t>I think it’s measurement/visibility for programmable switches</a:t>
+            </a:r>
+          </a:p>
+          <a:p>
+            <a:pPr lvl="1"/>
+            <a:r>
+              <a:rPr lang="en-US" dirty="0"/>
+              <a:t>In-band Network Telemetry standard: https://p4.org/assets/INT-current-</a:t>
             </a:r>
             <a:r>
               <a:rPr lang="en-US" dirty="0" err="1"/>
-              <a:t>prog</a:t>
-            </a:r>
+              <a:t>spec.pdf</a:t>
+            </a:r>
+            <a:endParaRPr lang="en-US" dirty="0"/>
+          </a:p>
+          <a:p>
             <a:r>
               <a:rPr lang="en-US" dirty="0"/>
-              <a:t>. switches</a:t>
-            </a:r>
-          </a:p>
-          <a:p>
-            <a:r>
-              <a:rPr lang="en-US" dirty="0"/>
-              <a:t>More far out: Maybe push the application into the network?</a:t>
-            </a:r>
-          </a:p>
-          <a:p>
-            <a:pPr lvl="1"/>
-            <a:r>
-              <a:rPr lang="en-US" dirty="0"/>
-              <a:t>HTTP proxies?</a:t>
+              <a:t>More ambitiously: Push the application into the network?</a:t>
             </a:r>
           </a:p>
           <a:p>
@@ -41196,7 +41336,7 @@
             <a:pPr lvl="1"/>
             <a:r>
               <a:rPr lang="en-US" dirty="0"/>
-              <a:t>Like GPUs, maybe programmable switches will be used as application accelerators (e.g., </a:t>
+              <a:t>Like GPUs, maybe programmable switches can be used as application accelerators (e.g., </a:t>
             </a:r>
             <a:r>
               <a:rPr lang="en-US" dirty="0" err="1"/>
@@ -41205,6 +41345,13 @@
             <a:r>
               <a:rPr lang="en-US" dirty="0"/>
               <a:t>)?</a:t>
+            </a:r>
+          </a:p>
+          <a:p>
+            <a:pPr lvl="1"/>
+            <a:r>
+              <a:rPr lang="en-US" dirty="0"/>
+              <a:t>More when we discuss in-network computing</a:t>
             </a:r>
           </a:p>
         </p:txBody>
@@ -41577,6 +41724,37 @@
                                   </p:childTnLst>
                                 </p:cTn>
                               </p:par>
+                              <p:par>
+                                <p:cTn id="31" presetID="1" presetClass="entr" presetSubtype="0" fill="hold" nodeType="withEffect">
+                                  <p:stCondLst>
+                                    <p:cond delay="0"/>
+                                  </p:stCondLst>
+                                  <p:childTnLst>
+                                    <p:set>
+                                      <p:cBhvr>
+                                        <p:cTn id="32" dur="1" fill="hold">
+                                          <p:stCondLst>
+                                            <p:cond delay="0"/>
+                                          </p:stCondLst>
+                                        </p:cTn>
+                                        <p:tgtEl>
+                                          <p:spTgt spid="3">
+                                            <p:txEl>
+                                              <p:pRg st="8" end="8"/>
+                                            </p:txEl>
+                                          </p:spTgt>
+                                        </p:tgtEl>
+                                        <p:attrNameLst>
+                                          <p:attrName>style.visibility</p:attrName>
+                                        </p:attrNameLst>
+                                      </p:cBhvr>
+                                      <p:to>
+                                        <p:strVal val="visible"/>
+                                      </p:to>
+                                    </p:set>
+                                  </p:childTnLst>
+                                </p:cTn>
+                              </p:par>
                             </p:childTnLst>
                           </p:cTn>
                         </p:par>
@@ -42062,7 +42240,13 @@
             </a:r>
             <a:r>
               <a:rPr lang="en-US" sz="11200" dirty="0"/>
-              <a:t> et al., PIFO; Mittal et al., Universal Packet Scheduling)</a:t>
+              <a:t> et al., PIFO)</a:t>
+            </a:r>
+          </a:p>
+          <a:p>
+            <a:r>
+              <a:rPr lang="en-US" sz="11200" dirty="0"/>
+              <a:t>Universal Packet Scheduling (Mittal et al.)</a:t>
             </a:r>
           </a:p>
           <a:p>
@@ -42400,6 +42584,37 @@
                                   </p:childTnLst>
                                 </p:cTn>
                               </p:par>
+                              <p:par>
+                                <p:cTn id="21" presetID="1" presetClass="entr" presetSubtype="0" fill="hold" nodeType="withEffect">
+                                  <p:stCondLst>
+                                    <p:cond delay="0"/>
+                                  </p:stCondLst>
+                                  <p:childTnLst>
+                                    <p:set>
+                                      <p:cBhvr>
+                                        <p:cTn id="22" dur="1" fill="hold">
+                                          <p:stCondLst>
+                                            <p:cond delay="0"/>
+                                          </p:stCondLst>
+                                        </p:cTn>
+                                        <p:tgtEl>
+                                          <p:spTgt spid="3">
+                                            <p:txEl>
+                                              <p:pRg st="8" end="8"/>
+                                            </p:txEl>
+                                          </p:spTgt>
+                                        </p:tgtEl>
+                                        <p:attrNameLst>
+                                          <p:attrName>style.visibility</p:attrName>
+                                        </p:attrNameLst>
+                                      </p:cBhvr>
+                                      <p:to>
+                                        <p:strVal val="visible"/>
+                                      </p:to>
+                                    </p:set>
+                                  </p:childTnLst>
+                                </p:cTn>
+                              </p:par>
                             </p:childTnLst>
                           </p:cTn>
                         </p:par>
@@ -42483,7 +42698,7 @@
         <p:spPr/>
         <p:txBody>
           <a:bodyPr>
-            <a:normAutofit fontScale="85000" lnSpcReduction="20000"/>
+            <a:normAutofit fontScale="77500" lnSpcReduction="20000"/>
           </a:bodyPr>
           <a:lstStyle/>
           <a:p>
@@ -42499,7 +42714,11 @@
             </a:r>
             <a:r>
               <a:rPr lang="en-US" sz="4500" dirty="0"/>
-              <a:t>:</a:t>
+              <a:t>. </a:t>
+            </a:r>
+            <a:r>
+              <a:rPr lang="en-US" sz="3100" dirty="0"/>
+              <a:t>Several commercial products using P4 for some portion of their programmability.</a:t>
             </a:r>
           </a:p>
           <a:p>
@@ -43204,6 +43423,17 @@
             <a:pPr lvl="1"/>
             <a:r>
               <a:rPr lang="en-US" dirty="0" err="1"/>
+              <a:t>NOPaxos</a:t>
+            </a:r>
+            <a:r>
+              <a:rPr lang="en-US" dirty="0"/>
+              <a:t>: Network assistance for consensus</a:t>
+            </a:r>
+          </a:p>
+          <a:p>
+            <a:pPr lvl="1"/>
+            <a:r>
+              <a:rPr lang="en-US" dirty="0" err="1"/>
               <a:t>NetCache</a:t>
             </a:r>
             <a:r>
@@ -43701,6 +43931,55 @@
                       </p:childTnLst>
                     </p:cTn>
                   </p:par>
+                  <p:par>
+                    <p:cTn id="35" fill="hold">
+                      <p:stCondLst>
+                        <p:cond delay="indefinite"/>
+                      </p:stCondLst>
+                      <p:childTnLst>
+                        <p:par>
+                          <p:cTn id="36" fill="hold">
+                            <p:stCondLst>
+                              <p:cond delay="0"/>
+                            </p:stCondLst>
+                            <p:childTnLst>
+                              <p:par>
+                                <p:cTn id="37" presetID="1" presetClass="entr" presetSubtype="0" fill="hold" nodeType="clickEffect">
+                                  <p:stCondLst>
+                                    <p:cond delay="0"/>
+                                  </p:stCondLst>
+                                  <p:childTnLst>
+                                    <p:set>
+                                      <p:cBhvr>
+                                        <p:cTn id="38" dur="1" fill="hold">
+                                          <p:stCondLst>
+                                            <p:cond delay="0"/>
+                                          </p:stCondLst>
+                                        </p:cTn>
+                                        <p:tgtEl>
+                                          <p:spTgt spid="3">
+                                            <p:txEl>
+                                              <p:pRg st="8" end="8"/>
+                                            </p:txEl>
+                                          </p:spTgt>
+                                        </p:tgtEl>
+                                        <p:attrNameLst>
+                                          <p:attrName>style.visibility</p:attrName>
+                                        </p:attrNameLst>
+                                      </p:cBhvr>
+                                      <p:to>
+                                        <p:strVal val="visible"/>
+                                      </p:to>
+                                    </p:set>
+                                  </p:childTnLst>
+                                </p:cTn>
+                              </p:par>
+                            </p:childTnLst>
+                          </p:cTn>
+                        </p:par>
+                      </p:childTnLst>
+                    </p:cTn>
+                  </p:par>
                 </p:childTnLst>
               </p:cTn>
               <p:prevCondLst>
@@ -43862,7 +44141,7 @@
             <a:pPr lvl="1"/>
             <a:r>
               <a:rPr lang="en-US" dirty="0"/>
-              <a:t>Data Processing Units: Fungible</a:t>
+              <a:t>Data Processing Units: Fungible F1 and S1</a:t>
             </a:r>
           </a:p>
           <a:p>
@@ -43967,7 +44246,15 @@
           <a:p>
             <a:r>
               <a:rPr lang="en-US" dirty="0"/>
-              <a:t>Programmable virtual switches (e.g., OVS): PISCES</a:t>
+              <a:t>Programmable virtual switches (e.g., Open </a:t>
+            </a:r>
+            <a:r>
+              <a:rPr lang="en-US" dirty="0" err="1"/>
+              <a:t>vSwitch</a:t>
+            </a:r>
+            <a:r>
+              <a:rPr lang="en-US" dirty="0"/>
+              <a:t>): PISCES (SIGCOMM 2016)</a:t>
             </a:r>
           </a:p>
           <a:p>
@@ -44019,7 +44306,7 @@
           <a:p>
             <a:r>
               <a:rPr lang="en-US" dirty="0"/>
-              <a:t>Allows us to think of programmability for users of the cloud</a:t>
+              <a:t>More generally, network programmability for cloud users, as opposed to cloud providers</a:t>
             </a:r>
           </a:p>
           <a:p>
@@ -45418,7 +45705,7 @@
           <a:p>
             <a:r>
               <a:rPr lang="en-US" dirty="0"/>
-              <a:t>But, the network isn’t truly software-defined</a:t>
+              <a:t>But the network isn’t truly software-defined</a:t>
             </a:r>
           </a:p>
         </p:txBody>
